--- a/poster.pptx
+++ b/poster.pptx
@@ -53,7 +53,7 @@
       </p:grpSpPr>
       <p:sp>
         <p:nvSpPr>
-          <p:cNvPr id="26" name="PlaceHolder 1"/>
+          <p:cNvPr id="22" name="PlaceHolder 1"/>
           <p:cNvSpPr>
             <a:spLocks noGrp="1"/>
           </p:cNvSpPr>
@@ -64,7 +64,7 @@
         <p:spPr>
           <a:xfrm>
             <a:off x="2576880" y="7246800"/>
-            <a:ext cx="25121880" cy="14649840"/>
+            <a:ext cx="25121520" cy="14649480"/>
           </a:xfrm>
           <a:prstGeom prst="rect">
             <a:avLst/>
@@ -75,18 +75,16 @@
             <a:noAutofit/>
           </a:bodyPr>
           <a:p>
-            <a:endParaRPr b="0" lang="en-US" sz="7650" spc="-1" strike="noStrike">
-              <a:solidFill>
-                <a:srgbClr val="000000"/>
-              </a:solidFill>
-              <a:latin typeface="Calibri"/>
-            </a:endParaRPr>
-          </a:p>
-        </p:txBody>
-      </p:sp>
-      <p:sp>
-        <p:nvSpPr>
-          <p:cNvPr id="27" name="PlaceHolder 2"/>
+            <a:pPr algn="ctr"/>
+            <a:endParaRPr b="0" lang="pl-PL" sz="4400" spc="-1" strike="noStrike">
+              <a:latin typeface="Arial"/>
+            </a:endParaRPr>
+          </a:p>
+        </p:txBody>
+      </p:sp>
+      <p:sp>
+        <p:nvSpPr>
+          <p:cNvPr id="23" name="PlaceHolder 2"/>
           <p:cNvSpPr>
             <a:spLocks noGrp="1"/>
           </p:cNvSpPr>
@@ -96,8 +94,8 @@
         </p:nvSpPr>
         <p:spPr>
           <a:xfrm>
-            <a:off x="1837800" y="10207440"/>
-            <a:ext cx="26600040" cy="11642760"/>
+            <a:off x="1513440" y="10015920"/>
+            <a:ext cx="27247320" cy="11841480"/>
           </a:xfrm>
           <a:prstGeom prst="rect">
             <a:avLst/>
@@ -108,18 +106,15 @@
             <a:normAutofit/>
           </a:bodyPr>
           <a:p>
-            <a:endParaRPr b="0" lang="en-US" sz="2100" spc="-1" strike="noStrike">
-              <a:solidFill>
-                <a:srgbClr val="000000"/>
-              </a:solidFill>
-              <a:latin typeface="Calibri"/>
-            </a:endParaRPr>
-          </a:p>
-        </p:txBody>
-      </p:sp>
-      <p:sp>
-        <p:nvSpPr>
-          <p:cNvPr id="28" name="PlaceHolder 3"/>
+            <a:endParaRPr b="0" lang="pl-PL" sz="3200" spc="-1" strike="noStrike">
+              <a:latin typeface="Arial"/>
+            </a:endParaRPr>
+          </a:p>
+        </p:txBody>
+      </p:sp>
+      <p:sp>
+        <p:nvSpPr>
+          <p:cNvPr id="24" name="PlaceHolder 3"/>
           <p:cNvSpPr>
             <a:spLocks noGrp="1"/>
           </p:cNvSpPr>
@@ -129,8 +124,8 @@
         </p:nvSpPr>
         <p:spPr>
           <a:xfrm>
-            <a:off x="1837800" y="22956480"/>
-            <a:ext cx="26600040" cy="11642760"/>
+            <a:off x="1513440" y="22982760"/>
+            <a:ext cx="27247320" cy="11841480"/>
           </a:xfrm>
           <a:prstGeom prst="rect">
             <a:avLst/>
@@ -141,11 +136,8 @@
             <a:normAutofit/>
           </a:bodyPr>
           <a:p>
-            <a:endParaRPr b="0" lang="en-US" sz="2100" spc="-1" strike="noStrike">
-              <a:solidFill>
-                <a:srgbClr val="000000"/>
-              </a:solidFill>
-              <a:latin typeface="Calibri"/>
+            <a:endParaRPr b="0" lang="pl-PL" sz="3200" spc="-1" strike="noStrike">
+              <a:latin typeface="Arial"/>
             </a:endParaRPr>
           </a:p>
         </p:txBody>
@@ -174,7 +166,7 @@
       </p:grpSpPr>
       <p:sp>
         <p:nvSpPr>
-          <p:cNvPr id="29" name="PlaceHolder 1"/>
+          <p:cNvPr id="25" name="PlaceHolder 1"/>
           <p:cNvSpPr>
             <a:spLocks noGrp="1"/>
           </p:cNvSpPr>
@@ -185,7 +177,7 @@
         <p:spPr>
           <a:xfrm>
             <a:off x="2576880" y="7246800"/>
-            <a:ext cx="25121880" cy="14649840"/>
+            <a:ext cx="25121520" cy="14649480"/>
           </a:xfrm>
           <a:prstGeom prst="rect">
             <a:avLst/>
@@ -196,18 +188,16 @@
             <a:noAutofit/>
           </a:bodyPr>
           <a:p>
-            <a:endParaRPr b="0" lang="en-US" sz="7650" spc="-1" strike="noStrike">
-              <a:solidFill>
-                <a:srgbClr val="000000"/>
-              </a:solidFill>
-              <a:latin typeface="Calibri"/>
-            </a:endParaRPr>
-          </a:p>
-        </p:txBody>
-      </p:sp>
-      <p:sp>
-        <p:nvSpPr>
-          <p:cNvPr id="30" name="PlaceHolder 2"/>
+            <a:pPr algn="ctr"/>
+            <a:endParaRPr b="0" lang="pl-PL" sz="4400" spc="-1" strike="noStrike">
+              <a:latin typeface="Arial"/>
+            </a:endParaRPr>
+          </a:p>
+        </p:txBody>
+      </p:sp>
+      <p:sp>
+        <p:nvSpPr>
+          <p:cNvPr id="26" name="PlaceHolder 2"/>
           <p:cNvSpPr>
             <a:spLocks noGrp="1"/>
           </p:cNvSpPr>
@@ -217,8 +207,8 @@
         </p:nvSpPr>
         <p:spPr>
           <a:xfrm>
-            <a:off x="1837800" y="10207440"/>
-            <a:ext cx="12980520" cy="11642760"/>
+            <a:off x="1513440" y="10015920"/>
+            <a:ext cx="13296600" cy="11841480"/>
           </a:xfrm>
           <a:prstGeom prst="rect">
             <a:avLst/>
@@ -229,18 +219,15 @@
             <a:normAutofit/>
           </a:bodyPr>
           <a:p>
-            <a:endParaRPr b="0" lang="en-US" sz="2100" spc="-1" strike="noStrike">
-              <a:solidFill>
-                <a:srgbClr val="000000"/>
-              </a:solidFill>
-              <a:latin typeface="Calibri"/>
-            </a:endParaRPr>
-          </a:p>
-        </p:txBody>
-      </p:sp>
-      <p:sp>
-        <p:nvSpPr>
-          <p:cNvPr id="31" name="PlaceHolder 3"/>
+            <a:endParaRPr b="0" lang="pl-PL" sz="3200" spc="-1" strike="noStrike">
+              <a:latin typeface="Arial"/>
+            </a:endParaRPr>
+          </a:p>
+        </p:txBody>
+      </p:sp>
+      <p:sp>
+        <p:nvSpPr>
+          <p:cNvPr id="27" name="PlaceHolder 3"/>
           <p:cNvSpPr>
             <a:spLocks noGrp="1"/>
           </p:cNvSpPr>
@@ -250,8 +237,8 @@
         </p:nvSpPr>
         <p:spPr>
           <a:xfrm>
-            <a:off x="15467760" y="10207440"/>
-            <a:ext cx="12980520" cy="11642760"/>
+            <a:off x="15475320" y="10015920"/>
+            <a:ext cx="13296600" cy="11841480"/>
           </a:xfrm>
           <a:prstGeom prst="rect">
             <a:avLst/>
@@ -262,18 +249,15 @@
             <a:normAutofit/>
           </a:bodyPr>
           <a:p>
-            <a:endParaRPr b="0" lang="en-US" sz="2100" spc="-1" strike="noStrike">
-              <a:solidFill>
-                <a:srgbClr val="000000"/>
-              </a:solidFill>
-              <a:latin typeface="Calibri"/>
-            </a:endParaRPr>
-          </a:p>
-        </p:txBody>
-      </p:sp>
-      <p:sp>
-        <p:nvSpPr>
-          <p:cNvPr id="32" name="PlaceHolder 4"/>
+            <a:endParaRPr b="0" lang="pl-PL" sz="3200" spc="-1" strike="noStrike">
+              <a:latin typeface="Arial"/>
+            </a:endParaRPr>
+          </a:p>
+        </p:txBody>
+      </p:sp>
+      <p:sp>
+        <p:nvSpPr>
+          <p:cNvPr id="28" name="PlaceHolder 4"/>
           <p:cNvSpPr>
             <a:spLocks noGrp="1"/>
           </p:cNvSpPr>
@@ -283,8 +267,8 @@
         </p:nvSpPr>
         <p:spPr>
           <a:xfrm>
-            <a:off x="1837800" y="22956480"/>
-            <a:ext cx="12980520" cy="11642760"/>
+            <a:off x="1513440" y="22982760"/>
+            <a:ext cx="13296600" cy="11841480"/>
           </a:xfrm>
           <a:prstGeom prst="rect">
             <a:avLst/>
@@ -295,18 +279,15 @@
             <a:normAutofit/>
           </a:bodyPr>
           <a:p>
-            <a:endParaRPr b="0" lang="en-US" sz="2100" spc="-1" strike="noStrike">
-              <a:solidFill>
-                <a:srgbClr val="000000"/>
-              </a:solidFill>
-              <a:latin typeface="Calibri"/>
-            </a:endParaRPr>
-          </a:p>
-        </p:txBody>
-      </p:sp>
-      <p:sp>
-        <p:nvSpPr>
-          <p:cNvPr id="33" name="PlaceHolder 5"/>
+            <a:endParaRPr b="0" lang="pl-PL" sz="3200" spc="-1" strike="noStrike">
+              <a:latin typeface="Arial"/>
+            </a:endParaRPr>
+          </a:p>
+        </p:txBody>
+      </p:sp>
+      <p:sp>
+        <p:nvSpPr>
+          <p:cNvPr id="29" name="PlaceHolder 5"/>
           <p:cNvSpPr>
             <a:spLocks noGrp="1"/>
           </p:cNvSpPr>
@@ -316,8 +297,8 @@
         </p:nvSpPr>
         <p:spPr>
           <a:xfrm>
-            <a:off x="15467760" y="22956480"/>
-            <a:ext cx="12980520" cy="11642760"/>
+            <a:off x="15475320" y="22982760"/>
+            <a:ext cx="13296600" cy="11841480"/>
           </a:xfrm>
           <a:prstGeom prst="rect">
             <a:avLst/>
@@ -328,11 +309,8 @@
             <a:normAutofit/>
           </a:bodyPr>
           <a:p>
-            <a:endParaRPr b="0" lang="en-US" sz="2100" spc="-1" strike="noStrike">
-              <a:solidFill>
-                <a:srgbClr val="000000"/>
-              </a:solidFill>
-              <a:latin typeface="Calibri"/>
+            <a:endParaRPr b="0" lang="pl-PL" sz="3200" spc="-1" strike="noStrike">
+              <a:latin typeface="Arial"/>
             </a:endParaRPr>
           </a:p>
         </p:txBody>
@@ -361,7 +339,7 @@
       </p:grpSpPr>
       <p:sp>
         <p:nvSpPr>
-          <p:cNvPr id="34" name="PlaceHolder 1"/>
+          <p:cNvPr id="30" name="PlaceHolder 1"/>
           <p:cNvSpPr>
             <a:spLocks noGrp="1"/>
           </p:cNvSpPr>
@@ -372,7 +350,7 @@
         <p:spPr>
           <a:xfrm>
             <a:off x="2576880" y="7246800"/>
-            <a:ext cx="25121880" cy="14649840"/>
+            <a:ext cx="25121520" cy="14649480"/>
           </a:xfrm>
           <a:prstGeom prst="rect">
             <a:avLst/>
@@ -383,18 +361,16 @@
             <a:noAutofit/>
           </a:bodyPr>
           <a:p>
-            <a:endParaRPr b="0" lang="en-US" sz="7650" spc="-1" strike="noStrike">
-              <a:solidFill>
-                <a:srgbClr val="000000"/>
-              </a:solidFill>
-              <a:latin typeface="Calibri"/>
-            </a:endParaRPr>
-          </a:p>
-        </p:txBody>
-      </p:sp>
-      <p:sp>
-        <p:nvSpPr>
-          <p:cNvPr id="35" name="PlaceHolder 2"/>
+            <a:pPr algn="ctr"/>
+            <a:endParaRPr b="0" lang="pl-PL" sz="4400" spc="-1" strike="noStrike">
+              <a:latin typeface="Arial"/>
+            </a:endParaRPr>
+          </a:p>
+        </p:txBody>
+      </p:sp>
+      <p:sp>
+        <p:nvSpPr>
+          <p:cNvPr id="31" name="PlaceHolder 2"/>
           <p:cNvSpPr>
             <a:spLocks noGrp="1"/>
           </p:cNvSpPr>
@@ -404,8 +380,8 @@
         </p:nvSpPr>
         <p:spPr>
           <a:xfrm>
-            <a:off x="1837800" y="10207440"/>
-            <a:ext cx="8565120" cy="11642760"/>
+            <a:off x="1513440" y="10015920"/>
+            <a:ext cx="8773560" cy="11841480"/>
           </a:xfrm>
           <a:prstGeom prst="rect">
             <a:avLst/>
@@ -416,18 +392,15 @@
             <a:normAutofit/>
           </a:bodyPr>
           <a:p>
-            <a:endParaRPr b="0" lang="en-US" sz="2100" spc="-1" strike="noStrike">
-              <a:solidFill>
-                <a:srgbClr val="000000"/>
-              </a:solidFill>
-              <a:latin typeface="Calibri"/>
-            </a:endParaRPr>
-          </a:p>
-        </p:txBody>
-      </p:sp>
-      <p:sp>
-        <p:nvSpPr>
-          <p:cNvPr id="36" name="PlaceHolder 3"/>
+            <a:endParaRPr b="0" lang="pl-PL" sz="3200" spc="-1" strike="noStrike">
+              <a:latin typeface="Arial"/>
+            </a:endParaRPr>
+          </a:p>
+        </p:txBody>
+      </p:sp>
+      <p:sp>
+        <p:nvSpPr>
+          <p:cNvPr id="32" name="PlaceHolder 3"/>
           <p:cNvSpPr>
             <a:spLocks noGrp="1"/>
           </p:cNvSpPr>
@@ -437,8 +410,8 @@
         </p:nvSpPr>
         <p:spPr>
           <a:xfrm>
-            <a:off x="10831680" y="10207440"/>
-            <a:ext cx="8565120" cy="11642760"/>
+            <a:off x="10726200" y="10015920"/>
+            <a:ext cx="8773560" cy="11841480"/>
           </a:xfrm>
           <a:prstGeom prst="rect">
             <a:avLst/>
@@ -449,18 +422,15 @@
             <a:normAutofit/>
           </a:bodyPr>
           <a:p>
-            <a:endParaRPr b="0" lang="en-US" sz="2100" spc="-1" strike="noStrike">
-              <a:solidFill>
-                <a:srgbClr val="000000"/>
-              </a:solidFill>
-              <a:latin typeface="Calibri"/>
-            </a:endParaRPr>
-          </a:p>
-        </p:txBody>
-      </p:sp>
-      <p:sp>
-        <p:nvSpPr>
-          <p:cNvPr id="37" name="PlaceHolder 4"/>
+            <a:endParaRPr b="0" lang="pl-PL" sz="3200" spc="-1" strike="noStrike">
+              <a:latin typeface="Arial"/>
+            </a:endParaRPr>
+          </a:p>
+        </p:txBody>
+      </p:sp>
+      <p:sp>
+        <p:nvSpPr>
+          <p:cNvPr id="33" name="PlaceHolder 4"/>
           <p:cNvSpPr>
             <a:spLocks noGrp="1"/>
           </p:cNvSpPr>
@@ -470,8 +440,8 @@
         </p:nvSpPr>
         <p:spPr>
           <a:xfrm>
-            <a:off x="19825200" y="10207440"/>
-            <a:ext cx="8565120" cy="11642760"/>
+            <a:off x="19938600" y="10015920"/>
+            <a:ext cx="8773560" cy="11841480"/>
           </a:xfrm>
           <a:prstGeom prst="rect">
             <a:avLst/>
@@ -482,18 +452,15 @@
             <a:normAutofit/>
           </a:bodyPr>
           <a:p>
-            <a:endParaRPr b="0" lang="en-US" sz="2100" spc="-1" strike="noStrike">
-              <a:solidFill>
-                <a:srgbClr val="000000"/>
-              </a:solidFill>
-              <a:latin typeface="Calibri"/>
-            </a:endParaRPr>
-          </a:p>
-        </p:txBody>
-      </p:sp>
-      <p:sp>
-        <p:nvSpPr>
-          <p:cNvPr id="38" name="PlaceHolder 5"/>
+            <a:endParaRPr b="0" lang="pl-PL" sz="3200" spc="-1" strike="noStrike">
+              <a:latin typeface="Arial"/>
+            </a:endParaRPr>
+          </a:p>
+        </p:txBody>
+      </p:sp>
+      <p:sp>
+        <p:nvSpPr>
+          <p:cNvPr id="34" name="PlaceHolder 5"/>
           <p:cNvSpPr>
             <a:spLocks noGrp="1"/>
           </p:cNvSpPr>
@@ -503,8 +470,8 @@
         </p:nvSpPr>
         <p:spPr>
           <a:xfrm>
-            <a:off x="1837800" y="22956480"/>
-            <a:ext cx="8565120" cy="11642760"/>
+            <a:off x="1513440" y="22982760"/>
+            <a:ext cx="8773560" cy="11841480"/>
           </a:xfrm>
           <a:prstGeom prst="rect">
             <a:avLst/>
@@ -515,18 +482,15 @@
             <a:normAutofit/>
           </a:bodyPr>
           <a:p>
-            <a:endParaRPr b="0" lang="en-US" sz="2100" spc="-1" strike="noStrike">
-              <a:solidFill>
-                <a:srgbClr val="000000"/>
-              </a:solidFill>
-              <a:latin typeface="Calibri"/>
-            </a:endParaRPr>
-          </a:p>
-        </p:txBody>
-      </p:sp>
-      <p:sp>
-        <p:nvSpPr>
-          <p:cNvPr id="39" name="PlaceHolder 6"/>
+            <a:endParaRPr b="0" lang="pl-PL" sz="3200" spc="-1" strike="noStrike">
+              <a:latin typeface="Arial"/>
+            </a:endParaRPr>
+          </a:p>
+        </p:txBody>
+      </p:sp>
+      <p:sp>
+        <p:nvSpPr>
+          <p:cNvPr id="35" name="PlaceHolder 6"/>
           <p:cNvSpPr>
             <a:spLocks noGrp="1"/>
           </p:cNvSpPr>
@@ -536,8 +500,8 @@
         </p:nvSpPr>
         <p:spPr>
           <a:xfrm>
-            <a:off x="10831680" y="22956480"/>
-            <a:ext cx="8565120" cy="11642760"/>
+            <a:off x="10726200" y="22982760"/>
+            <a:ext cx="8773560" cy="11841480"/>
           </a:xfrm>
           <a:prstGeom prst="rect">
             <a:avLst/>
@@ -548,18 +512,15 @@
             <a:normAutofit/>
           </a:bodyPr>
           <a:p>
-            <a:endParaRPr b="0" lang="en-US" sz="2100" spc="-1" strike="noStrike">
-              <a:solidFill>
-                <a:srgbClr val="000000"/>
-              </a:solidFill>
-              <a:latin typeface="Calibri"/>
-            </a:endParaRPr>
-          </a:p>
-        </p:txBody>
-      </p:sp>
-      <p:sp>
-        <p:nvSpPr>
-          <p:cNvPr id="40" name="PlaceHolder 7"/>
+            <a:endParaRPr b="0" lang="pl-PL" sz="3200" spc="-1" strike="noStrike">
+              <a:latin typeface="Arial"/>
+            </a:endParaRPr>
+          </a:p>
+        </p:txBody>
+      </p:sp>
+      <p:sp>
+        <p:nvSpPr>
+          <p:cNvPr id="36" name="PlaceHolder 7"/>
           <p:cNvSpPr>
             <a:spLocks noGrp="1"/>
           </p:cNvSpPr>
@@ -569,8 +530,8 @@
         </p:nvSpPr>
         <p:spPr>
           <a:xfrm>
-            <a:off x="19825200" y="22956480"/>
-            <a:ext cx="8565120" cy="11642760"/>
+            <a:off x="19938600" y="22982760"/>
+            <a:ext cx="8773560" cy="11841480"/>
           </a:xfrm>
           <a:prstGeom prst="rect">
             <a:avLst/>
@@ -581,11 +542,8 @@
             <a:normAutofit/>
           </a:bodyPr>
           <a:p>
-            <a:endParaRPr b="0" lang="en-US" sz="2100" spc="-1" strike="noStrike">
-              <a:solidFill>
-                <a:srgbClr val="000000"/>
-              </a:solidFill>
-              <a:latin typeface="Calibri"/>
+            <a:endParaRPr b="0" lang="pl-PL" sz="3200" spc="-1" strike="noStrike">
+              <a:latin typeface="Arial"/>
             </a:endParaRPr>
           </a:p>
         </p:txBody>
@@ -614,7 +572,7 @@
       </p:grpSpPr>
       <p:sp>
         <p:nvSpPr>
-          <p:cNvPr id="5" name="PlaceHolder 1"/>
+          <p:cNvPr id="1" name="PlaceHolder 1"/>
           <p:cNvSpPr>
             <a:spLocks noGrp="1"/>
           </p:cNvSpPr>
@@ -625,7 +583,7 @@
         <p:spPr>
           <a:xfrm>
             <a:off x="2576880" y="7246800"/>
-            <a:ext cx="25121880" cy="14649840"/>
+            <a:ext cx="25121520" cy="14649480"/>
           </a:xfrm>
           <a:prstGeom prst="rect">
             <a:avLst/>
@@ -636,18 +594,16 @@
             <a:noAutofit/>
           </a:bodyPr>
           <a:p>
-            <a:endParaRPr b="0" lang="en-US" sz="7650" spc="-1" strike="noStrike">
-              <a:solidFill>
-                <a:srgbClr val="000000"/>
-              </a:solidFill>
-              <a:latin typeface="Calibri"/>
-            </a:endParaRPr>
-          </a:p>
-        </p:txBody>
-      </p:sp>
-      <p:sp>
-        <p:nvSpPr>
-          <p:cNvPr id="6" name="PlaceHolder 2"/>
+            <a:pPr algn="ctr"/>
+            <a:endParaRPr b="0" lang="pl-PL" sz="4400" spc="-1" strike="noStrike">
+              <a:latin typeface="Arial"/>
+            </a:endParaRPr>
+          </a:p>
+        </p:txBody>
+      </p:sp>
+      <p:sp>
+        <p:nvSpPr>
+          <p:cNvPr id="2" name="PlaceHolder 2"/>
           <p:cNvSpPr>
             <a:spLocks noGrp="1"/>
           </p:cNvSpPr>
@@ -657,8 +613,8 @@
         </p:nvSpPr>
         <p:spPr>
           <a:xfrm>
-            <a:off x="1837800" y="10207440"/>
-            <a:ext cx="26600040" cy="24408360"/>
+            <a:off x="1513440" y="10015920"/>
+            <a:ext cx="27247320" cy="24825600"/>
           </a:xfrm>
           <a:prstGeom prst="rect">
             <a:avLst/>
@@ -700,7 +656,7 @@
       </p:grpSpPr>
       <p:sp>
         <p:nvSpPr>
-          <p:cNvPr id="7" name="PlaceHolder 1"/>
+          <p:cNvPr id="3" name="PlaceHolder 1"/>
           <p:cNvSpPr>
             <a:spLocks noGrp="1"/>
           </p:cNvSpPr>
@@ -711,7 +667,7 @@
         <p:spPr>
           <a:xfrm>
             <a:off x="2576880" y="7246800"/>
-            <a:ext cx="25121880" cy="14649840"/>
+            <a:ext cx="25121520" cy="14649480"/>
           </a:xfrm>
           <a:prstGeom prst="rect">
             <a:avLst/>
@@ -722,18 +678,16 @@
             <a:noAutofit/>
           </a:bodyPr>
           <a:p>
-            <a:endParaRPr b="0" lang="en-US" sz="7650" spc="-1" strike="noStrike">
-              <a:solidFill>
-                <a:srgbClr val="000000"/>
-              </a:solidFill>
-              <a:latin typeface="Calibri"/>
-            </a:endParaRPr>
-          </a:p>
-        </p:txBody>
-      </p:sp>
-      <p:sp>
-        <p:nvSpPr>
-          <p:cNvPr id="8" name="PlaceHolder 2"/>
+            <a:pPr algn="ctr"/>
+            <a:endParaRPr b="0" lang="pl-PL" sz="4400" spc="-1" strike="noStrike">
+              <a:latin typeface="Arial"/>
+            </a:endParaRPr>
+          </a:p>
+        </p:txBody>
+      </p:sp>
+      <p:sp>
+        <p:nvSpPr>
+          <p:cNvPr id="4" name="PlaceHolder 2"/>
           <p:cNvSpPr>
             <a:spLocks noGrp="1"/>
           </p:cNvSpPr>
@@ -743,8 +697,8 @@
         </p:nvSpPr>
         <p:spPr>
           <a:xfrm>
-            <a:off x="1837800" y="10207440"/>
-            <a:ext cx="26600040" cy="24408360"/>
+            <a:off x="1513440" y="10015920"/>
+            <a:ext cx="27247320" cy="24825600"/>
           </a:xfrm>
           <a:prstGeom prst="rect">
             <a:avLst/>
@@ -755,11 +709,8 @@
             <a:normAutofit/>
           </a:bodyPr>
           <a:p>
-            <a:endParaRPr b="0" lang="en-US" sz="2100" spc="-1" strike="noStrike">
-              <a:solidFill>
-                <a:srgbClr val="000000"/>
-              </a:solidFill>
-              <a:latin typeface="Calibri"/>
+            <a:endParaRPr b="0" lang="pl-PL" sz="3200" spc="-1" strike="noStrike">
+              <a:latin typeface="Arial"/>
             </a:endParaRPr>
           </a:p>
         </p:txBody>
@@ -788,7 +739,7 @@
       </p:grpSpPr>
       <p:sp>
         <p:nvSpPr>
-          <p:cNvPr id="9" name="PlaceHolder 1"/>
+          <p:cNvPr id="5" name="PlaceHolder 1"/>
           <p:cNvSpPr>
             <a:spLocks noGrp="1"/>
           </p:cNvSpPr>
@@ -799,7 +750,7 @@
         <p:spPr>
           <a:xfrm>
             <a:off x="2576880" y="7246800"/>
-            <a:ext cx="25121880" cy="14649840"/>
+            <a:ext cx="25121520" cy="14649480"/>
           </a:xfrm>
           <a:prstGeom prst="rect">
             <a:avLst/>
@@ -810,18 +761,16 @@
             <a:noAutofit/>
           </a:bodyPr>
           <a:p>
-            <a:endParaRPr b="0" lang="en-US" sz="7650" spc="-1" strike="noStrike">
-              <a:solidFill>
-                <a:srgbClr val="000000"/>
-              </a:solidFill>
-              <a:latin typeface="Calibri"/>
-            </a:endParaRPr>
-          </a:p>
-        </p:txBody>
-      </p:sp>
-      <p:sp>
-        <p:nvSpPr>
-          <p:cNvPr id="10" name="PlaceHolder 2"/>
+            <a:pPr algn="ctr"/>
+            <a:endParaRPr b="0" lang="pl-PL" sz="4400" spc="-1" strike="noStrike">
+              <a:latin typeface="Arial"/>
+            </a:endParaRPr>
+          </a:p>
+        </p:txBody>
+      </p:sp>
+      <p:sp>
+        <p:nvSpPr>
+          <p:cNvPr id="6" name="PlaceHolder 2"/>
           <p:cNvSpPr>
             <a:spLocks noGrp="1"/>
           </p:cNvSpPr>
@@ -831,8 +780,8 @@
         </p:nvSpPr>
         <p:spPr>
           <a:xfrm>
-            <a:off x="1837800" y="10207440"/>
-            <a:ext cx="12980520" cy="24408360"/>
+            <a:off x="1513440" y="10015920"/>
+            <a:ext cx="13296600" cy="24825600"/>
           </a:xfrm>
           <a:prstGeom prst="rect">
             <a:avLst/>
@@ -843,18 +792,15 @@
             <a:normAutofit/>
           </a:bodyPr>
           <a:p>
-            <a:endParaRPr b="0" lang="en-US" sz="2100" spc="-1" strike="noStrike">
-              <a:solidFill>
-                <a:srgbClr val="000000"/>
-              </a:solidFill>
-              <a:latin typeface="Calibri"/>
-            </a:endParaRPr>
-          </a:p>
-        </p:txBody>
-      </p:sp>
-      <p:sp>
-        <p:nvSpPr>
-          <p:cNvPr id="11" name="PlaceHolder 3"/>
+            <a:endParaRPr b="0" lang="pl-PL" sz="3200" spc="-1" strike="noStrike">
+              <a:latin typeface="Arial"/>
+            </a:endParaRPr>
+          </a:p>
+        </p:txBody>
+      </p:sp>
+      <p:sp>
+        <p:nvSpPr>
+          <p:cNvPr id="7" name="PlaceHolder 3"/>
           <p:cNvSpPr>
             <a:spLocks noGrp="1"/>
           </p:cNvSpPr>
@@ -864,8 +810,8 @@
         </p:nvSpPr>
         <p:spPr>
           <a:xfrm>
-            <a:off x="15467760" y="10207440"/>
-            <a:ext cx="12980520" cy="24408360"/>
+            <a:off x="15475320" y="10015920"/>
+            <a:ext cx="13296600" cy="24825600"/>
           </a:xfrm>
           <a:prstGeom prst="rect">
             <a:avLst/>
@@ -876,11 +822,8 @@
             <a:normAutofit/>
           </a:bodyPr>
           <a:p>
-            <a:endParaRPr b="0" lang="en-US" sz="2100" spc="-1" strike="noStrike">
-              <a:solidFill>
-                <a:srgbClr val="000000"/>
-              </a:solidFill>
-              <a:latin typeface="Calibri"/>
+            <a:endParaRPr b="0" lang="pl-PL" sz="3200" spc="-1" strike="noStrike">
+              <a:latin typeface="Arial"/>
             </a:endParaRPr>
           </a:p>
         </p:txBody>
@@ -909,7 +852,7 @@
       </p:grpSpPr>
       <p:sp>
         <p:nvSpPr>
-          <p:cNvPr id="12" name="PlaceHolder 1"/>
+          <p:cNvPr id="8" name="PlaceHolder 1"/>
           <p:cNvSpPr>
             <a:spLocks noGrp="1"/>
           </p:cNvSpPr>
@@ -920,7 +863,7 @@
         <p:spPr>
           <a:xfrm>
             <a:off x="2576880" y="7246800"/>
-            <a:ext cx="25121880" cy="14649840"/>
+            <a:ext cx="25121520" cy="14649480"/>
           </a:xfrm>
           <a:prstGeom prst="rect">
             <a:avLst/>
@@ -931,11 +874,9 @@
             <a:noAutofit/>
           </a:bodyPr>
           <a:p>
-            <a:endParaRPr b="0" lang="en-US" sz="7650" spc="-1" strike="noStrike">
-              <a:solidFill>
-                <a:srgbClr val="000000"/>
-              </a:solidFill>
-              <a:latin typeface="Calibri"/>
+            <a:pPr algn="ctr"/>
+            <a:endParaRPr b="0" lang="pl-PL" sz="4400" spc="-1" strike="noStrike">
+              <a:latin typeface="Arial"/>
             </a:endParaRPr>
           </a:p>
         </p:txBody>
@@ -964,7 +905,7 @@
       </p:grpSpPr>
       <p:sp>
         <p:nvSpPr>
-          <p:cNvPr id="13" name="PlaceHolder 1"/>
+          <p:cNvPr id="9" name="PlaceHolder 1"/>
           <p:cNvSpPr>
             <a:spLocks noGrp="1"/>
           </p:cNvSpPr>
@@ -975,7 +916,7 @@
         <p:spPr>
           <a:xfrm>
             <a:off x="2576880" y="7246800"/>
-            <a:ext cx="25121880" cy="67909320"/>
+            <a:ext cx="25121520" cy="67907520"/>
           </a:xfrm>
           <a:prstGeom prst="rect">
             <a:avLst/>
@@ -1017,7 +958,7 @@
       </p:grpSpPr>
       <p:sp>
         <p:nvSpPr>
-          <p:cNvPr id="14" name="PlaceHolder 1"/>
+          <p:cNvPr id="10" name="PlaceHolder 1"/>
           <p:cNvSpPr>
             <a:spLocks noGrp="1"/>
           </p:cNvSpPr>
@@ -1028,7 +969,7 @@
         <p:spPr>
           <a:xfrm>
             <a:off x="2576880" y="7246800"/>
-            <a:ext cx="25121880" cy="14649840"/>
+            <a:ext cx="25121520" cy="14649480"/>
           </a:xfrm>
           <a:prstGeom prst="rect">
             <a:avLst/>
@@ -1039,18 +980,16 @@
             <a:noAutofit/>
           </a:bodyPr>
           <a:p>
-            <a:endParaRPr b="0" lang="en-US" sz="7650" spc="-1" strike="noStrike">
-              <a:solidFill>
-                <a:srgbClr val="000000"/>
-              </a:solidFill>
-              <a:latin typeface="Calibri"/>
-            </a:endParaRPr>
-          </a:p>
-        </p:txBody>
-      </p:sp>
-      <p:sp>
-        <p:nvSpPr>
-          <p:cNvPr id="15" name="PlaceHolder 2"/>
+            <a:pPr algn="ctr"/>
+            <a:endParaRPr b="0" lang="pl-PL" sz="4400" spc="-1" strike="noStrike">
+              <a:latin typeface="Arial"/>
+            </a:endParaRPr>
+          </a:p>
+        </p:txBody>
+      </p:sp>
+      <p:sp>
+        <p:nvSpPr>
+          <p:cNvPr id="11" name="PlaceHolder 2"/>
           <p:cNvSpPr>
             <a:spLocks noGrp="1"/>
           </p:cNvSpPr>
@@ -1060,8 +999,8 @@
         </p:nvSpPr>
         <p:spPr>
           <a:xfrm>
-            <a:off x="1837800" y="10207440"/>
-            <a:ext cx="12980520" cy="11642760"/>
+            <a:off x="1513440" y="10015920"/>
+            <a:ext cx="13296600" cy="11841480"/>
           </a:xfrm>
           <a:prstGeom prst="rect">
             <a:avLst/>
@@ -1072,18 +1011,15 @@
             <a:normAutofit/>
           </a:bodyPr>
           <a:p>
-            <a:endParaRPr b="0" lang="en-US" sz="2100" spc="-1" strike="noStrike">
-              <a:solidFill>
-                <a:srgbClr val="000000"/>
-              </a:solidFill>
-              <a:latin typeface="Calibri"/>
-            </a:endParaRPr>
-          </a:p>
-        </p:txBody>
-      </p:sp>
-      <p:sp>
-        <p:nvSpPr>
-          <p:cNvPr id="16" name="PlaceHolder 3"/>
+            <a:endParaRPr b="0" lang="pl-PL" sz="3200" spc="-1" strike="noStrike">
+              <a:latin typeface="Arial"/>
+            </a:endParaRPr>
+          </a:p>
+        </p:txBody>
+      </p:sp>
+      <p:sp>
+        <p:nvSpPr>
+          <p:cNvPr id="12" name="PlaceHolder 3"/>
           <p:cNvSpPr>
             <a:spLocks noGrp="1"/>
           </p:cNvSpPr>
@@ -1093,8 +1029,8 @@
         </p:nvSpPr>
         <p:spPr>
           <a:xfrm>
-            <a:off x="15467760" y="10207440"/>
-            <a:ext cx="12980520" cy="24408360"/>
+            <a:off x="15475320" y="10015920"/>
+            <a:ext cx="13296600" cy="24825600"/>
           </a:xfrm>
           <a:prstGeom prst="rect">
             <a:avLst/>
@@ -1105,18 +1041,15 @@
             <a:normAutofit/>
           </a:bodyPr>
           <a:p>
-            <a:endParaRPr b="0" lang="en-US" sz="2100" spc="-1" strike="noStrike">
-              <a:solidFill>
-                <a:srgbClr val="000000"/>
-              </a:solidFill>
-              <a:latin typeface="Calibri"/>
-            </a:endParaRPr>
-          </a:p>
-        </p:txBody>
-      </p:sp>
-      <p:sp>
-        <p:nvSpPr>
-          <p:cNvPr id="17" name="PlaceHolder 4"/>
+            <a:endParaRPr b="0" lang="pl-PL" sz="3200" spc="-1" strike="noStrike">
+              <a:latin typeface="Arial"/>
+            </a:endParaRPr>
+          </a:p>
+        </p:txBody>
+      </p:sp>
+      <p:sp>
+        <p:nvSpPr>
+          <p:cNvPr id="13" name="PlaceHolder 4"/>
           <p:cNvSpPr>
             <a:spLocks noGrp="1"/>
           </p:cNvSpPr>
@@ -1126,8 +1059,8 @@
         </p:nvSpPr>
         <p:spPr>
           <a:xfrm>
-            <a:off x="1837800" y="22956480"/>
-            <a:ext cx="12980520" cy="11642760"/>
+            <a:off x="1513440" y="22982760"/>
+            <a:ext cx="13296600" cy="11841480"/>
           </a:xfrm>
           <a:prstGeom prst="rect">
             <a:avLst/>
@@ -1138,11 +1071,8 @@
             <a:normAutofit/>
           </a:bodyPr>
           <a:p>
-            <a:endParaRPr b="0" lang="en-US" sz="2100" spc="-1" strike="noStrike">
-              <a:solidFill>
-                <a:srgbClr val="000000"/>
-              </a:solidFill>
-              <a:latin typeface="Calibri"/>
+            <a:endParaRPr b="0" lang="pl-PL" sz="3200" spc="-1" strike="noStrike">
+              <a:latin typeface="Arial"/>
             </a:endParaRPr>
           </a:p>
         </p:txBody>
@@ -1171,7 +1101,7 @@
       </p:grpSpPr>
       <p:sp>
         <p:nvSpPr>
-          <p:cNvPr id="18" name="PlaceHolder 1"/>
+          <p:cNvPr id="14" name="PlaceHolder 1"/>
           <p:cNvSpPr>
             <a:spLocks noGrp="1"/>
           </p:cNvSpPr>
@@ -1182,7 +1112,7 @@
         <p:spPr>
           <a:xfrm>
             <a:off x="2576880" y="7246800"/>
-            <a:ext cx="25121880" cy="14649840"/>
+            <a:ext cx="25121520" cy="14649480"/>
           </a:xfrm>
           <a:prstGeom prst="rect">
             <a:avLst/>
@@ -1193,18 +1123,16 @@
             <a:noAutofit/>
           </a:bodyPr>
           <a:p>
-            <a:endParaRPr b="0" lang="en-US" sz="7650" spc="-1" strike="noStrike">
-              <a:solidFill>
-                <a:srgbClr val="000000"/>
-              </a:solidFill>
-              <a:latin typeface="Calibri"/>
-            </a:endParaRPr>
-          </a:p>
-        </p:txBody>
-      </p:sp>
-      <p:sp>
-        <p:nvSpPr>
-          <p:cNvPr id="19" name="PlaceHolder 2"/>
+            <a:pPr algn="ctr"/>
+            <a:endParaRPr b="0" lang="pl-PL" sz="4400" spc="-1" strike="noStrike">
+              <a:latin typeface="Arial"/>
+            </a:endParaRPr>
+          </a:p>
+        </p:txBody>
+      </p:sp>
+      <p:sp>
+        <p:nvSpPr>
+          <p:cNvPr id="15" name="PlaceHolder 2"/>
           <p:cNvSpPr>
             <a:spLocks noGrp="1"/>
           </p:cNvSpPr>
@@ -1214,8 +1142,8 @@
         </p:nvSpPr>
         <p:spPr>
           <a:xfrm>
-            <a:off x="1837800" y="10207440"/>
-            <a:ext cx="12980520" cy="24408360"/>
+            <a:off x="1513440" y="10015920"/>
+            <a:ext cx="13296600" cy="24825600"/>
           </a:xfrm>
           <a:prstGeom prst="rect">
             <a:avLst/>
@@ -1226,18 +1154,15 @@
             <a:normAutofit/>
           </a:bodyPr>
           <a:p>
-            <a:endParaRPr b="0" lang="en-US" sz="2100" spc="-1" strike="noStrike">
-              <a:solidFill>
-                <a:srgbClr val="000000"/>
-              </a:solidFill>
-              <a:latin typeface="Calibri"/>
-            </a:endParaRPr>
-          </a:p>
-        </p:txBody>
-      </p:sp>
-      <p:sp>
-        <p:nvSpPr>
-          <p:cNvPr id="20" name="PlaceHolder 3"/>
+            <a:endParaRPr b="0" lang="pl-PL" sz="3200" spc="-1" strike="noStrike">
+              <a:latin typeface="Arial"/>
+            </a:endParaRPr>
+          </a:p>
+        </p:txBody>
+      </p:sp>
+      <p:sp>
+        <p:nvSpPr>
+          <p:cNvPr id="16" name="PlaceHolder 3"/>
           <p:cNvSpPr>
             <a:spLocks noGrp="1"/>
           </p:cNvSpPr>
@@ -1247,8 +1172,8 @@
         </p:nvSpPr>
         <p:spPr>
           <a:xfrm>
-            <a:off x="15467760" y="10207440"/>
-            <a:ext cx="12980520" cy="11642760"/>
+            <a:off x="15475320" y="10015920"/>
+            <a:ext cx="13296600" cy="11841480"/>
           </a:xfrm>
           <a:prstGeom prst="rect">
             <a:avLst/>
@@ -1259,18 +1184,15 @@
             <a:normAutofit/>
           </a:bodyPr>
           <a:p>
-            <a:endParaRPr b="0" lang="en-US" sz="2100" spc="-1" strike="noStrike">
-              <a:solidFill>
-                <a:srgbClr val="000000"/>
-              </a:solidFill>
-              <a:latin typeface="Calibri"/>
-            </a:endParaRPr>
-          </a:p>
-        </p:txBody>
-      </p:sp>
-      <p:sp>
-        <p:nvSpPr>
-          <p:cNvPr id="21" name="PlaceHolder 4"/>
+            <a:endParaRPr b="0" lang="pl-PL" sz="3200" spc="-1" strike="noStrike">
+              <a:latin typeface="Arial"/>
+            </a:endParaRPr>
+          </a:p>
+        </p:txBody>
+      </p:sp>
+      <p:sp>
+        <p:nvSpPr>
+          <p:cNvPr id="17" name="PlaceHolder 4"/>
           <p:cNvSpPr>
             <a:spLocks noGrp="1"/>
           </p:cNvSpPr>
@@ -1280,8 +1202,8 @@
         </p:nvSpPr>
         <p:spPr>
           <a:xfrm>
-            <a:off x="15467760" y="22956480"/>
-            <a:ext cx="12980520" cy="11642760"/>
+            <a:off x="15475320" y="22982760"/>
+            <a:ext cx="13296600" cy="11841480"/>
           </a:xfrm>
           <a:prstGeom prst="rect">
             <a:avLst/>
@@ -1292,11 +1214,8 @@
             <a:normAutofit/>
           </a:bodyPr>
           <a:p>
-            <a:endParaRPr b="0" lang="en-US" sz="2100" spc="-1" strike="noStrike">
-              <a:solidFill>
-                <a:srgbClr val="000000"/>
-              </a:solidFill>
-              <a:latin typeface="Calibri"/>
+            <a:endParaRPr b="0" lang="pl-PL" sz="3200" spc="-1" strike="noStrike">
+              <a:latin typeface="Arial"/>
             </a:endParaRPr>
           </a:p>
         </p:txBody>
@@ -1325,7 +1244,7 @@
       </p:grpSpPr>
       <p:sp>
         <p:nvSpPr>
-          <p:cNvPr id="22" name="PlaceHolder 1"/>
+          <p:cNvPr id="18" name="PlaceHolder 1"/>
           <p:cNvSpPr>
             <a:spLocks noGrp="1"/>
           </p:cNvSpPr>
@@ -1336,7 +1255,7 @@
         <p:spPr>
           <a:xfrm>
             <a:off x="2576880" y="7246800"/>
-            <a:ext cx="25121880" cy="14649840"/>
+            <a:ext cx="25121520" cy="14649480"/>
           </a:xfrm>
           <a:prstGeom prst="rect">
             <a:avLst/>
@@ -1347,18 +1266,16 @@
             <a:noAutofit/>
           </a:bodyPr>
           <a:p>
-            <a:endParaRPr b="0" lang="en-US" sz="7650" spc="-1" strike="noStrike">
-              <a:solidFill>
-                <a:srgbClr val="000000"/>
-              </a:solidFill>
-              <a:latin typeface="Calibri"/>
-            </a:endParaRPr>
-          </a:p>
-        </p:txBody>
-      </p:sp>
-      <p:sp>
-        <p:nvSpPr>
-          <p:cNvPr id="23" name="PlaceHolder 2"/>
+            <a:pPr algn="ctr"/>
+            <a:endParaRPr b="0" lang="pl-PL" sz="4400" spc="-1" strike="noStrike">
+              <a:latin typeface="Arial"/>
+            </a:endParaRPr>
+          </a:p>
+        </p:txBody>
+      </p:sp>
+      <p:sp>
+        <p:nvSpPr>
+          <p:cNvPr id="19" name="PlaceHolder 2"/>
           <p:cNvSpPr>
             <a:spLocks noGrp="1"/>
           </p:cNvSpPr>
@@ -1368,8 +1285,8 @@
         </p:nvSpPr>
         <p:spPr>
           <a:xfrm>
-            <a:off x="1837800" y="10207440"/>
-            <a:ext cx="12980520" cy="11642760"/>
+            <a:off x="1513440" y="10015920"/>
+            <a:ext cx="13296600" cy="11841480"/>
           </a:xfrm>
           <a:prstGeom prst="rect">
             <a:avLst/>
@@ -1380,18 +1297,15 @@
             <a:normAutofit/>
           </a:bodyPr>
           <a:p>
-            <a:endParaRPr b="0" lang="en-US" sz="2100" spc="-1" strike="noStrike">
-              <a:solidFill>
-                <a:srgbClr val="000000"/>
-              </a:solidFill>
-              <a:latin typeface="Calibri"/>
-            </a:endParaRPr>
-          </a:p>
-        </p:txBody>
-      </p:sp>
-      <p:sp>
-        <p:nvSpPr>
-          <p:cNvPr id="24" name="PlaceHolder 3"/>
+            <a:endParaRPr b="0" lang="pl-PL" sz="3200" spc="-1" strike="noStrike">
+              <a:latin typeface="Arial"/>
+            </a:endParaRPr>
+          </a:p>
+        </p:txBody>
+      </p:sp>
+      <p:sp>
+        <p:nvSpPr>
+          <p:cNvPr id="20" name="PlaceHolder 3"/>
           <p:cNvSpPr>
             <a:spLocks noGrp="1"/>
           </p:cNvSpPr>
@@ -1401,8 +1315,8 @@
         </p:nvSpPr>
         <p:spPr>
           <a:xfrm>
-            <a:off x="15467760" y="10207440"/>
-            <a:ext cx="12980520" cy="11642760"/>
+            <a:off x="15475320" y="10015920"/>
+            <a:ext cx="13296600" cy="11841480"/>
           </a:xfrm>
           <a:prstGeom prst="rect">
             <a:avLst/>
@@ -1413,18 +1327,15 @@
             <a:normAutofit/>
           </a:bodyPr>
           <a:p>
-            <a:endParaRPr b="0" lang="en-US" sz="2100" spc="-1" strike="noStrike">
-              <a:solidFill>
-                <a:srgbClr val="000000"/>
-              </a:solidFill>
-              <a:latin typeface="Calibri"/>
-            </a:endParaRPr>
-          </a:p>
-        </p:txBody>
-      </p:sp>
-      <p:sp>
-        <p:nvSpPr>
-          <p:cNvPr id="25" name="PlaceHolder 4"/>
+            <a:endParaRPr b="0" lang="pl-PL" sz="3200" spc="-1" strike="noStrike">
+              <a:latin typeface="Arial"/>
+            </a:endParaRPr>
+          </a:p>
+        </p:txBody>
+      </p:sp>
+      <p:sp>
+        <p:nvSpPr>
+          <p:cNvPr id="21" name="PlaceHolder 4"/>
           <p:cNvSpPr>
             <a:spLocks noGrp="1"/>
           </p:cNvSpPr>
@@ -1434,8 +1345,8 @@
         </p:nvSpPr>
         <p:spPr>
           <a:xfrm>
-            <a:off x="1837800" y="22956480"/>
-            <a:ext cx="26600040" cy="11642760"/>
+            <a:off x="1513440" y="22982760"/>
+            <a:ext cx="27247320" cy="11841480"/>
           </a:xfrm>
           <a:prstGeom prst="rect">
             <a:avLst/>
@@ -1446,11 +1357,8 @@
             <a:normAutofit/>
           </a:bodyPr>
           <a:p>
-            <a:endParaRPr b="0" lang="en-US" sz="2100" spc="-1" strike="noStrike">
-              <a:solidFill>
-                <a:srgbClr val="000000"/>
-              </a:solidFill>
-              <a:latin typeface="Calibri"/>
+            <a:endParaRPr b="0" lang="pl-PL" sz="3200" spc="-1" strike="noStrike">
+              <a:latin typeface="Arial"/>
             </a:endParaRPr>
           </a:p>
         </p:txBody>
@@ -1497,375 +1405,26 @@
         <p:spPr>
           <a:xfrm>
             <a:off x="2576880" y="7246800"/>
-            <a:ext cx="25121880" cy="14649840"/>
-          </a:xfrm>
-          <a:prstGeom prst="rect">
-            <a:avLst/>
-          </a:prstGeom>
-        </p:spPr>
-        <p:txBody>
-          <a:bodyPr anchor="b">
+            <a:ext cx="25121520" cy="14649480"/>
+          </a:xfrm>
+          <a:prstGeom prst="rect">
+            <a:avLst/>
+          </a:prstGeom>
+        </p:spPr>
+        <p:txBody>
+          <a:bodyPr lIns="0" rIns="0" tIns="0" bIns="0" anchor="ctr">
             <a:noAutofit/>
           </a:bodyPr>
           <a:p>
-            <a:pPr algn="ctr">
-              <a:lnSpc>
-                <a:spcPct val="90000"/>
-              </a:lnSpc>
-            </a:pPr>
-            <a:r>
-              <a:rPr b="0" lang="en-GB" sz="4500" spc="-1" strike="noStrike">
-                <a:solidFill>
-                  <a:srgbClr val="000000"/>
-                </a:solidFill>
-                <a:latin typeface="Calibri Light"/>
-              </a:rPr>
-              <a:t>Click to edit Master title style</a:t>
-            </a:r>
-            <a:endParaRPr b="0" lang="en-US" sz="4500" spc="-1" strike="noStrike">
-              <a:solidFill>
-                <a:srgbClr val="000000"/>
-              </a:solidFill>
-              <a:latin typeface="Calibri"/>
-            </a:endParaRPr>
-          </a:p>
-        </p:txBody>
-      </p:sp>
-      <p:sp>
-        <p:nvSpPr>
-          <p:cNvPr id="1" name="PlaceHolder 2"/>
-          <p:cNvSpPr>
-            <a:spLocks noGrp="1"/>
-          </p:cNvSpPr>
-          <p:nvPr>
-            <p:ph type="dt"/>
-          </p:nvPr>
-        </p:nvSpPr>
-        <p:spPr>
-          <a:xfrm>
-            <a:off x="2392200" y="39365280"/>
-            <a:ext cx="6648120" cy="2238840"/>
-          </a:xfrm>
-          <a:prstGeom prst="rect">
-            <a:avLst/>
-          </a:prstGeom>
-        </p:spPr>
-        <p:txBody>
-          <a:bodyPr anchor="ctr">
-            <a:noAutofit/>
-          </a:bodyPr>
-          <a:p>
-            <a:pPr>
-              <a:lnSpc>
-                <a:spcPct val="100000"/>
-              </a:lnSpc>
-            </a:pPr>
-            <a:fld id="{F0D8AB11-C655-494F-A3F5-37173B0D8796}" type="datetime">
-              <a:rPr b="0" lang="en-GB" sz="900" spc="-1" strike="noStrike">
-                <a:solidFill>
-                  <a:srgbClr val="8b8b8b"/>
-                </a:solidFill>
-                <a:latin typeface="Calibri"/>
-              </a:rPr>
-              <a:t>03/06/23</a:t>
-            </a:fld>
-            <a:endParaRPr b="0" lang="pl-PL" sz="900" spc="-1" strike="noStrike">
-              <a:latin typeface="Times New Roman"/>
-            </a:endParaRPr>
-          </a:p>
-        </p:txBody>
-      </p:sp>
-      <p:sp>
-        <p:nvSpPr>
-          <p:cNvPr id="2" name="PlaceHolder 3"/>
-          <p:cNvSpPr>
-            <a:spLocks noGrp="1"/>
-          </p:cNvSpPr>
-          <p:nvPr>
-            <p:ph type="ftr"/>
-          </p:nvPr>
-        </p:nvSpPr>
-        <p:spPr>
-          <a:xfrm>
-            <a:off x="10149840" y="39365280"/>
-            <a:ext cx="9973080" cy="2238840"/>
-          </a:xfrm>
-          <a:prstGeom prst="rect">
-            <a:avLst/>
-          </a:prstGeom>
-        </p:spPr>
-        <p:txBody>
-          <a:bodyPr anchor="ctr">
-            <a:noAutofit/>
-          </a:bodyPr>
-          <a:p>
-            <a:endParaRPr b="0" lang="pl-PL" sz="2400" spc="-1" strike="noStrike">
-              <a:latin typeface="Times New Roman"/>
-            </a:endParaRPr>
-          </a:p>
-        </p:txBody>
-      </p:sp>
-      <p:sp>
-        <p:nvSpPr>
-          <p:cNvPr id="3" name="PlaceHolder 4"/>
-          <p:cNvSpPr>
-            <a:spLocks noGrp="1"/>
-          </p:cNvSpPr>
-          <p:nvPr>
-            <p:ph type="sldNum"/>
-          </p:nvPr>
-        </p:nvSpPr>
-        <p:spPr>
-          <a:xfrm>
-            <a:off x="21233520" y="39365280"/>
-            <a:ext cx="6648120" cy="2238840"/>
-          </a:xfrm>
-          <a:prstGeom prst="rect">
-            <a:avLst/>
-          </a:prstGeom>
-        </p:spPr>
-        <p:txBody>
-          <a:bodyPr anchor="ctr">
-            <a:noAutofit/>
-          </a:bodyPr>
-          <a:p>
-            <a:pPr algn="r">
-              <a:lnSpc>
-                <a:spcPct val="100000"/>
-              </a:lnSpc>
-            </a:pPr>
-            <a:fld id="{EDDE9E51-42E0-4B30-82AA-8339D647C9F3}" type="slidenum">
-              <a:rPr b="0" lang="en-GB" sz="900" spc="-1" strike="noStrike">
-                <a:solidFill>
-                  <a:srgbClr val="8b8b8b"/>
-                </a:solidFill>
-                <a:latin typeface="Calibri"/>
-              </a:rPr>
-              <a:t>&lt;numer&gt;</a:t>
-            </a:fld>
-            <a:endParaRPr b="0" lang="pl-PL" sz="900" spc="-1" strike="noStrike">
-              <a:latin typeface="Times New Roman"/>
-            </a:endParaRPr>
-          </a:p>
-        </p:txBody>
-      </p:sp>
-      <p:sp>
-        <p:nvSpPr>
-          <p:cNvPr id="4" name="PlaceHolder 5"/>
-          <p:cNvSpPr>
-            <a:spLocks noGrp="1"/>
-          </p:cNvSpPr>
-          <p:nvPr>
-            <p:ph type="body"/>
-          </p:nvPr>
-        </p:nvSpPr>
-        <p:spPr>
-          <a:xfrm>
-            <a:off x="1837800" y="10207440"/>
-            <a:ext cx="26600040" cy="24408360"/>
-          </a:xfrm>
-          <a:prstGeom prst="rect">
-            <a:avLst/>
-          </a:prstGeom>
-        </p:spPr>
-        <p:txBody>
-          <a:bodyPr lIns="0" rIns="0" tIns="0" bIns="0">
-            <a:normAutofit/>
-          </a:bodyPr>
-          <a:p>
-            <a:pPr marL="432000" indent="-324000">
-              <a:spcBef>
-                <a:spcPts val="1417"/>
-              </a:spcBef>
-              <a:buClr>
-                <a:srgbClr val="000000"/>
-              </a:buClr>
-              <a:buSzPct val="45000"/>
-              <a:buFont typeface="Wingdings" charset="2"/>
-              <a:buChar char=""/>
-            </a:pPr>
-            <a:r>
-              <a:rPr b="0" lang="en-US" sz="2100" spc="-1" strike="noStrike">
-                <a:solidFill>
-                  <a:srgbClr val="000000"/>
-                </a:solidFill>
-                <a:latin typeface="Calibri"/>
-              </a:rPr>
-              <a:t>Kliknij, aby edytować format tekstu konspektu</a:t>
-            </a:r>
-            <a:endParaRPr b="0" lang="en-US" sz="2100" spc="-1" strike="noStrike">
-              <a:solidFill>
-                <a:srgbClr val="000000"/>
-              </a:solidFill>
-              <a:latin typeface="Calibri"/>
-            </a:endParaRPr>
-          </a:p>
-          <a:p>
-            <a:pPr lvl="1" marL="864000" indent="-324000">
-              <a:spcBef>
-                <a:spcPts val="1134"/>
-              </a:spcBef>
-              <a:buClr>
-                <a:srgbClr val="000000"/>
-              </a:buClr>
-              <a:buSzPct val="75000"/>
-              <a:buFont typeface="Symbol" charset="2"/>
-              <a:buChar char=""/>
-            </a:pPr>
-            <a:r>
-              <a:rPr b="0" lang="en-US" sz="1500" spc="-1" strike="noStrike">
-                <a:solidFill>
-                  <a:srgbClr val="000000"/>
-                </a:solidFill>
-                <a:latin typeface="Calibri"/>
-              </a:rPr>
-              <a:t>Drugi poziom konspektu</a:t>
-            </a:r>
-            <a:endParaRPr b="0" lang="en-US" sz="1500" spc="-1" strike="noStrike">
-              <a:solidFill>
-                <a:srgbClr val="000000"/>
-              </a:solidFill>
-              <a:latin typeface="Calibri"/>
-            </a:endParaRPr>
-          </a:p>
-          <a:p>
-            <a:pPr lvl="2" marL="1296000" indent="-288000">
-              <a:spcBef>
-                <a:spcPts val="850"/>
-              </a:spcBef>
-              <a:buClr>
-                <a:srgbClr val="000000"/>
-              </a:buClr>
-              <a:buSzPct val="45000"/>
-              <a:buFont typeface="Wingdings" charset="2"/>
-              <a:buChar char=""/>
-            </a:pPr>
-            <a:r>
-              <a:rPr b="0" lang="en-US" sz="1350" spc="-1" strike="noStrike">
-                <a:solidFill>
-                  <a:srgbClr val="000000"/>
-                </a:solidFill>
-                <a:latin typeface="Calibri"/>
-              </a:rPr>
-              <a:t>Trzeci poziom konspektu</a:t>
-            </a:r>
-            <a:endParaRPr b="0" lang="en-US" sz="1350" spc="-1" strike="noStrike">
-              <a:solidFill>
-                <a:srgbClr val="000000"/>
-              </a:solidFill>
-              <a:latin typeface="Calibri"/>
-            </a:endParaRPr>
-          </a:p>
-          <a:p>
-            <a:pPr lvl="3" marL="1728000" indent="-216000">
-              <a:spcBef>
-                <a:spcPts val="567"/>
-              </a:spcBef>
-              <a:buClr>
-                <a:srgbClr val="000000"/>
-              </a:buClr>
-              <a:buSzPct val="75000"/>
-              <a:buFont typeface="Symbol" charset="2"/>
-              <a:buChar char=""/>
-            </a:pPr>
-            <a:r>
-              <a:rPr b="0" lang="en-US" sz="1350" spc="-1" strike="noStrike">
-                <a:solidFill>
-                  <a:srgbClr val="000000"/>
-                </a:solidFill>
-                <a:latin typeface="Calibri"/>
-              </a:rPr>
-              <a:t>Czwarty poziom konspektu</a:t>
-            </a:r>
-            <a:endParaRPr b="0" lang="en-US" sz="1350" spc="-1" strike="noStrike">
-              <a:solidFill>
-                <a:srgbClr val="000000"/>
-              </a:solidFill>
-              <a:latin typeface="Calibri"/>
-            </a:endParaRPr>
-          </a:p>
-          <a:p>
-            <a:pPr lvl="4" marL="2160000" indent="-216000">
-              <a:spcBef>
-                <a:spcPts val="283"/>
-              </a:spcBef>
-              <a:buClr>
-                <a:srgbClr val="000000"/>
-              </a:buClr>
-              <a:buSzPct val="45000"/>
-              <a:buFont typeface="Wingdings" charset="2"/>
-              <a:buChar char=""/>
-            </a:pPr>
-            <a:r>
-              <a:rPr b="0" lang="en-US" sz="2000" spc="-1" strike="noStrike">
-                <a:solidFill>
-                  <a:srgbClr val="000000"/>
-                </a:solidFill>
-                <a:latin typeface="Calibri"/>
-              </a:rPr>
-              <a:t>Piąty poziom konspektu</a:t>
-            </a:r>
-            <a:endParaRPr b="0" lang="en-US" sz="2000" spc="-1" strike="noStrike">
-              <a:solidFill>
-                <a:srgbClr val="000000"/>
-              </a:solidFill>
-              <a:latin typeface="Calibri"/>
-            </a:endParaRPr>
-          </a:p>
-          <a:p>
-            <a:pPr lvl="5" marL="2592000" indent="-216000">
-              <a:spcBef>
-                <a:spcPts val="283"/>
-              </a:spcBef>
-              <a:buClr>
-                <a:srgbClr val="000000"/>
-              </a:buClr>
-              <a:buSzPct val="45000"/>
-              <a:buFont typeface="Wingdings" charset="2"/>
-              <a:buChar char=""/>
-            </a:pPr>
-            <a:r>
-              <a:rPr b="0" lang="en-US" sz="2000" spc="-1" strike="noStrike">
-                <a:solidFill>
-                  <a:srgbClr val="000000"/>
-                </a:solidFill>
-                <a:latin typeface="Calibri"/>
-              </a:rPr>
-              <a:t>Szósty poziom konspektu</a:t>
-            </a:r>
-            <a:endParaRPr b="0" lang="en-US" sz="2000" spc="-1" strike="noStrike">
-              <a:solidFill>
-                <a:srgbClr val="000000"/>
-              </a:solidFill>
-              <a:latin typeface="Calibri"/>
-            </a:endParaRPr>
-          </a:p>
-          <a:p>
-            <a:pPr lvl="6" marL="3024000" indent="-216000">
-              <a:spcBef>
-                <a:spcPts val="283"/>
-              </a:spcBef>
-              <a:buClr>
-                <a:srgbClr val="000000"/>
-              </a:buClr>
-              <a:buSzPct val="45000"/>
-              <a:buFont typeface="Wingdings" charset="2"/>
-              <a:buChar char=""/>
-            </a:pPr>
-            <a:r>
-              <a:rPr b="0" lang="en-US" sz="2000" spc="-1" strike="noStrike">
-                <a:solidFill>
-                  <a:srgbClr val="000000"/>
-                </a:solidFill>
-                <a:latin typeface="Calibri"/>
-              </a:rPr>
-              <a:t>Siódmy poziom konspektu</a:t>
-            </a:r>
-            <a:endParaRPr b="0" lang="en-US" sz="2000" spc="-1" strike="noStrike">
-              <a:solidFill>
-                <a:srgbClr val="000000"/>
-              </a:solidFill>
-              <a:latin typeface="Calibri"/>
+            <a:pPr algn="ctr"/>
+            <a:r>
+              <a:rPr b="0" lang="pl-PL" sz="1800" spc="-1" strike="noStrike">
+                <a:latin typeface="Arial"/>
+              </a:rPr>
+              <a:t>Kliknij, aby edytować format tekstu tytułu</a:t>
+            </a:r>
+            <a:endParaRPr b="0" lang="pl-PL" sz="1800" spc="-1" strike="noStrike">
+              <a:latin typeface="Arial"/>
             </a:endParaRPr>
           </a:p>
         </p:txBody>
@@ -1916,14 +1475,14 @@
       </p:grpSpPr>
       <p:sp>
         <p:nvSpPr>
-          <p:cNvPr id="41" name="CustomShape 1"/>
+          <p:cNvPr id="37" name="CustomShape 1"/>
           <p:cNvSpPr/>
           <p:nvPr/>
         </p:nvSpPr>
         <p:spPr>
           <a:xfrm>
             <a:off x="3997800" y="443160"/>
-            <a:ext cx="14362200" cy="1860840"/>
+            <a:ext cx="14361840" cy="1860480"/>
           </a:xfrm>
           <a:prstGeom prst="rect">
             <a:avLst/>
@@ -1955,6 +1514,7 @@
                   <a:srgbClr val="203864"/>
                 </a:solidFill>
                 <a:latin typeface="Calibri Light"/>
+                <a:ea typeface="DejaVu Sans"/>
               </a:rPr>
               <a:t>COVID-19 in Canada </a:t>
             </a:r>
@@ -1966,14 +1526,14 @@
       </p:sp>
       <p:sp>
         <p:nvSpPr>
-          <p:cNvPr id="42" name="CustomShape 2"/>
+          <p:cNvPr id="38" name="CustomShape 2"/>
           <p:cNvSpPr/>
           <p:nvPr/>
         </p:nvSpPr>
         <p:spPr>
           <a:xfrm>
             <a:off x="17182800" y="36036000"/>
-            <a:ext cx="11329200" cy="4356000"/>
+            <a:ext cx="11328840" cy="4356000"/>
           </a:xfrm>
           <a:prstGeom prst="rect">
             <a:avLst/>
@@ -2005,6 +1565,7 @@
                   <a:srgbClr val="203864"/>
                 </a:solidFill>
                 <a:latin typeface="Calibri"/>
+                <a:ea typeface="DejaVu Sans"/>
               </a:rPr>
               <a:t>International travel restrictions impacted Canadian tourism drastically but turned out to be the </a:t>
             </a:r>
@@ -2014,6 +1575,7 @@
                   <a:srgbClr val="203864"/>
                 </a:solidFill>
                 <a:latin typeface="Calibri"/>
+                <a:ea typeface="DejaVu Sans"/>
               </a:rPr>
               <a:t>most effective preventive measure</a:t>
             </a:r>
@@ -2023,6 +1585,7 @@
                   <a:srgbClr val="203864"/>
                 </a:solidFill>
                 <a:latin typeface="Calibri"/>
+                <a:ea typeface="DejaVu Sans"/>
               </a:rPr>
               <a:t>. Out of </a:t>
             </a:r>
@@ -2032,6 +1595,7 @@
                   <a:srgbClr val="203864"/>
                 </a:solidFill>
                 <a:latin typeface="Calibri"/>
+                <a:ea typeface="DejaVu Sans"/>
               </a:rPr>
               <a:t>eight</a:t>
             </a:r>
@@ -2041,6 +1605,7 @@
                   <a:srgbClr val="203864"/>
                 </a:solidFill>
                 <a:latin typeface="Calibri"/>
+                <a:ea typeface="DejaVu Sans"/>
               </a:rPr>
               <a:t> distinct categories highlighted by COVID-19 Government Response Tracker it achieved </a:t>
             </a:r>
@@ -2050,6 +1615,7 @@
                   <a:srgbClr val="203864"/>
                 </a:solidFill>
                 <a:latin typeface="Calibri"/>
+                <a:ea typeface="DejaVu Sans"/>
               </a:rPr>
               <a:t>the lowest correlation </a:t>
             </a:r>
@@ -2059,6 +1625,7 @@
                   <a:srgbClr val="203864"/>
                 </a:solidFill>
                 <a:latin typeface="Calibri"/>
+                <a:ea typeface="DejaVu Sans"/>
               </a:rPr>
               <a:t>with a number of new cases to come in the next </a:t>
             </a:r>
@@ -2068,6 +1635,7 @@
                   <a:srgbClr val="203864"/>
                 </a:solidFill>
                 <a:latin typeface="Calibri"/>
+                <a:ea typeface="DejaVu Sans"/>
               </a:rPr>
               <a:t>ten days</a:t>
             </a:r>
@@ -2077,6 +1645,7 @@
                   <a:srgbClr val="203864"/>
                 </a:solidFill>
                 <a:latin typeface="Calibri"/>
+                <a:ea typeface="DejaVu Sans"/>
               </a:rPr>
               <a:t>.</a:t>
             </a:r>
@@ -2088,14 +1657,14 @@
       </p:sp>
       <p:sp>
         <p:nvSpPr>
-          <p:cNvPr id="43" name="CustomShape 3"/>
+          <p:cNvPr id="39" name="CustomShape 3"/>
           <p:cNvSpPr/>
           <p:nvPr/>
         </p:nvSpPr>
         <p:spPr>
           <a:xfrm>
             <a:off x="1006560" y="38366640"/>
-            <a:ext cx="13393440" cy="3137040"/>
+            <a:ext cx="13393080" cy="3137040"/>
           </a:xfrm>
           <a:prstGeom prst="rect">
             <a:avLst/>
@@ -2127,6 +1696,7 @@
                   <a:srgbClr val="203864"/>
                 </a:solidFill>
                 <a:latin typeface="Calibri"/>
+                <a:ea typeface="DejaVu Sans"/>
               </a:rPr>
               <a:t>The pandemic timeline in Canada can be separated into </a:t>
             </a:r>
@@ -2136,6 +1706,7 @@
                   <a:srgbClr val="203864"/>
                 </a:solidFill>
                 <a:latin typeface="Calibri"/>
+                <a:ea typeface="DejaVu Sans"/>
               </a:rPr>
               <a:t>distinct phases </a:t>
             </a:r>
@@ -2145,6 +1716,7 @@
                   <a:srgbClr val="203864"/>
                 </a:solidFill>
                 <a:latin typeface="Calibri"/>
+                <a:ea typeface="DejaVu Sans"/>
               </a:rPr>
               <a:t>based on the most dominant COVID-19 variant. One exception could be seen around the </a:t>
             </a:r>
@@ -2154,6 +1726,7 @@
                   <a:srgbClr val="203864"/>
                 </a:solidFill>
                 <a:latin typeface="Calibri"/>
+                <a:ea typeface="DejaVu Sans"/>
               </a:rPr>
               <a:t>Spring of 2021 </a:t>
             </a:r>
@@ -2163,6 +1736,7 @@
                   <a:srgbClr val="203864"/>
                 </a:solidFill>
                 <a:latin typeface="Calibri"/>
+                <a:ea typeface="DejaVu Sans"/>
               </a:rPr>
               <a:t>when each of </a:t>
             </a:r>
@@ -2172,6 +1746,7 @@
                   <a:srgbClr val="203864"/>
                 </a:solidFill>
                 <a:latin typeface="Calibri"/>
+                <a:ea typeface="DejaVu Sans"/>
               </a:rPr>
               <a:t>Alpha, Gamma</a:t>
             </a:r>
@@ -2181,6 +1756,7 @@
                   <a:srgbClr val="203864"/>
                 </a:solidFill>
                 <a:latin typeface="Calibri"/>
+                <a:ea typeface="DejaVu Sans"/>
               </a:rPr>
               <a:t> and the </a:t>
             </a:r>
@@ -2190,6 +1766,7 @@
                   <a:srgbClr val="203864"/>
                 </a:solidFill>
                 <a:latin typeface="Calibri"/>
+                <a:ea typeface="DejaVu Sans"/>
               </a:rPr>
               <a:t>original strain</a:t>
             </a:r>
@@ -2199,6 +1776,7 @@
                   <a:srgbClr val="203864"/>
                 </a:solidFill>
                 <a:latin typeface="Calibri"/>
+                <a:ea typeface="DejaVu Sans"/>
               </a:rPr>
               <a:t> contributed considerably to the total number of cases.</a:t>
             </a:r>
@@ -2210,14 +1788,14 @@
       </p:sp>
       <p:sp>
         <p:nvSpPr>
-          <p:cNvPr id="44" name="CustomShape 4"/>
+          <p:cNvPr id="40" name="CustomShape 4"/>
           <p:cNvSpPr/>
           <p:nvPr/>
         </p:nvSpPr>
         <p:spPr>
           <a:xfrm>
             <a:off x="936000" y="11544120"/>
-            <a:ext cx="12638520" cy="8622360"/>
+            <a:ext cx="12638160" cy="8622360"/>
           </a:xfrm>
           <a:prstGeom prst="rect">
             <a:avLst/>
@@ -2249,6 +1827,7 @@
                   <a:srgbClr val="203864"/>
                 </a:solidFill>
                 <a:latin typeface="Calibri"/>
+                <a:ea typeface="DejaVu Sans"/>
               </a:rPr>
               <a:t>The severity of the COVID-19 was visibly varying across Canadian provinces. The most impacted region was </a:t>
             </a:r>
@@ -2258,6 +1837,7 @@
                   <a:srgbClr val="203864"/>
                 </a:solidFill>
                 <a:latin typeface="Calibri"/>
+                <a:ea typeface="DejaVu Sans"/>
               </a:rPr>
               <a:t>Quebec</a:t>
             </a:r>
@@ -2267,6 +1847,7 @@
                   <a:srgbClr val="203864"/>
                 </a:solidFill>
                 <a:latin typeface="Calibri"/>
+                <a:ea typeface="DejaVu Sans"/>
               </a:rPr>
               <a:t>, with </a:t>
             </a:r>
@@ -2276,6 +1857,7 @@
                   <a:srgbClr val="203864"/>
                 </a:solidFill>
                 <a:latin typeface="Calibri"/>
+                <a:ea typeface="DejaVu Sans"/>
               </a:rPr>
               <a:t>Montreal</a:t>
             </a:r>
@@ -2285,6 +1867,7 @@
                   <a:srgbClr val="203864"/>
                 </a:solidFill>
                 <a:latin typeface="Calibri"/>
+                <a:ea typeface="DejaVu Sans"/>
               </a:rPr>
               <a:t> as its </a:t>
             </a:r>
@@ -2294,6 +1877,7 @@
                   <a:srgbClr val="203864"/>
                 </a:solidFill>
                 <a:latin typeface="Calibri"/>
+                <a:ea typeface="DejaVu Sans"/>
               </a:rPr>
               <a:t>most populated </a:t>
             </a:r>
@@ -2303,6 +1887,7 @@
                   <a:srgbClr val="203864"/>
                 </a:solidFill>
                 <a:latin typeface="Calibri"/>
+                <a:ea typeface="DejaVu Sans"/>
               </a:rPr>
               <a:t>city.</a:t>
             </a:r>
@@ -2332,6 +1917,7 @@
                   <a:srgbClr val="203864"/>
                 </a:solidFill>
                 <a:latin typeface="Calibri"/>
+                <a:ea typeface="DejaVu Sans"/>
               </a:rPr>
               <a:t>The municipality is a reason why Quebec statistics stand out – until the middle of May 2020, Montreal accounted for </a:t>
             </a:r>
@@ -2341,6 +1927,7 @@
                   <a:srgbClr val="203864"/>
                 </a:solidFill>
                 <a:latin typeface="Calibri"/>
+                <a:ea typeface="DejaVu Sans"/>
               </a:rPr>
               <a:t>64% of the entire province’s death toll</a:t>
             </a:r>
@@ -2350,6 +1937,7 @@
                   <a:srgbClr val="203864"/>
                 </a:solidFill>
                 <a:latin typeface="Calibri"/>
+                <a:ea typeface="DejaVu Sans"/>
               </a:rPr>
               <a:t>. </a:t>
             </a:r>
@@ -2379,6 +1967,7 @@
                   <a:srgbClr val="203864"/>
                 </a:solidFill>
                 <a:latin typeface="Calibri"/>
+                <a:ea typeface="DejaVu Sans"/>
               </a:rPr>
               <a:t>Second and third most populated provinces in Canada are </a:t>
             </a:r>
@@ -2388,6 +1977,7 @@
                   <a:srgbClr val="203864"/>
                 </a:solidFill>
                 <a:latin typeface="Calibri"/>
+                <a:ea typeface="DejaVu Sans"/>
               </a:rPr>
               <a:t>Ontario</a:t>
             </a:r>
@@ -2397,6 +1987,7 @@
                   <a:srgbClr val="203864"/>
                 </a:solidFill>
                 <a:latin typeface="Calibri"/>
+                <a:ea typeface="DejaVu Sans"/>
               </a:rPr>
               <a:t> and </a:t>
             </a:r>
@@ -2406,6 +1997,7 @@
                   <a:srgbClr val="203864"/>
                 </a:solidFill>
                 <a:latin typeface="Calibri"/>
+                <a:ea typeface="DejaVu Sans"/>
               </a:rPr>
               <a:t>British Columba</a:t>
             </a:r>
@@ -2415,6 +2007,7 @@
                   <a:srgbClr val="203864"/>
                 </a:solidFill>
                 <a:latin typeface="Calibri"/>
+                <a:ea typeface="DejaVu Sans"/>
               </a:rPr>
               <a:t>. Their example shows that the existence of </a:t>
             </a:r>
@@ -2424,6 +2017,7 @@
                   <a:srgbClr val="203864"/>
                 </a:solidFill>
                 <a:latin typeface="Calibri"/>
+                <a:ea typeface="DejaVu Sans"/>
               </a:rPr>
               <a:t>large population centres </a:t>
             </a:r>
@@ -2433,6 +2027,7 @@
                   <a:srgbClr val="203864"/>
                 </a:solidFill>
                 <a:latin typeface="Calibri"/>
+                <a:ea typeface="DejaVu Sans"/>
               </a:rPr>
               <a:t>is not enough to explain why COVID-19 in Quebec was so severe. What makes </a:t>
             </a:r>
@@ -2442,6 +2037,7 @@
                   <a:srgbClr val="203864"/>
                 </a:solidFill>
                 <a:latin typeface="Calibri"/>
+                <a:ea typeface="DejaVu Sans"/>
               </a:rPr>
               <a:t>Montreal</a:t>
             </a:r>
@@ -2451,6 +2047,7 @@
                   <a:srgbClr val="203864"/>
                 </a:solidFill>
                 <a:latin typeface="Calibri"/>
+                <a:ea typeface="DejaVu Sans"/>
               </a:rPr>
               <a:t> stand out is its </a:t>
             </a:r>
@@ -2460,6 +2057,7 @@
                   <a:srgbClr val="203864"/>
                 </a:solidFill>
                 <a:latin typeface="Calibri"/>
+                <a:ea typeface="DejaVu Sans"/>
               </a:rPr>
               <a:t>systemic poverty </a:t>
             </a:r>
@@ -2469,6 +2067,7 @@
                   <a:srgbClr val="203864"/>
                 </a:solidFill>
                 <a:latin typeface="Calibri"/>
+                <a:ea typeface="DejaVu Sans"/>
               </a:rPr>
               <a:t>and </a:t>
             </a:r>
@@ -2478,6 +2077,7 @@
                   <a:srgbClr val="203864"/>
                 </a:solidFill>
                 <a:latin typeface="Calibri"/>
+                <a:ea typeface="DejaVu Sans"/>
               </a:rPr>
               <a:t>inequality</a:t>
             </a:r>
@@ -2487,6 +2087,7 @@
                   <a:srgbClr val="203864"/>
                 </a:solidFill>
                 <a:latin typeface="Calibri"/>
+                <a:ea typeface="DejaVu Sans"/>
               </a:rPr>
               <a:t>.</a:t>
             </a:r>
@@ -2498,14 +2099,14 @@
       </p:sp>
       <p:sp>
         <p:nvSpPr>
-          <p:cNvPr id="45" name="CustomShape 5"/>
+          <p:cNvPr id="41" name="CustomShape 5"/>
           <p:cNvSpPr/>
           <p:nvPr/>
         </p:nvSpPr>
         <p:spPr>
           <a:xfrm>
-            <a:off x="896760" y="26920440"/>
-            <a:ext cx="14295240" cy="2527560"/>
+            <a:off x="1080000" y="26920440"/>
+            <a:ext cx="14294880" cy="2527560"/>
           </a:xfrm>
           <a:prstGeom prst="rect">
             <a:avLst/>
@@ -2537,6 +2138,7 @@
                   <a:srgbClr val="203864"/>
                 </a:solidFill>
                 <a:latin typeface="Calibri"/>
+                <a:ea typeface="DejaVu Sans"/>
               </a:rPr>
               <a:t>The timeline of subsequent waves in Canada and the USA was similar. Peaks in the observed number of new cases in the </a:t>
             </a:r>
@@ -2546,6 +2148,7 @@
                   <a:srgbClr val="203864"/>
                 </a:solidFill>
                 <a:latin typeface="Calibri"/>
+                <a:ea typeface="DejaVu Sans"/>
               </a:rPr>
               <a:t>USA</a:t>
             </a:r>
@@ -2555,6 +2158,7 @@
                   <a:srgbClr val="203864"/>
                 </a:solidFill>
                 <a:latin typeface="Calibri"/>
+                <a:ea typeface="DejaVu Sans"/>
               </a:rPr>
               <a:t> are </a:t>
             </a:r>
@@ -2564,6 +2168,7 @@
                   <a:srgbClr val="203864"/>
                 </a:solidFill>
                 <a:latin typeface="Calibri"/>
+                <a:ea typeface="DejaVu Sans"/>
               </a:rPr>
               <a:t>more pronounced </a:t>
             </a:r>
@@ -2573,6 +2178,7 @@
                   <a:srgbClr val="203864"/>
                 </a:solidFill>
                 <a:latin typeface="Calibri"/>
+                <a:ea typeface="DejaVu Sans"/>
               </a:rPr>
               <a:t>and have brought significantly </a:t>
             </a:r>
@@ -2582,6 +2188,7 @@
                   <a:srgbClr val="203864"/>
                 </a:solidFill>
                 <a:latin typeface="Calibri"/>
+                <a:ea typeface="DejaVu Sans"/>
               </a:rPr>
               <a:t>more infections per citizen</a:t>
             </a:r>
@@ -2591,6 +2198,7 @@
                   <a:srgbClr val="203864"/>
                 </a:solidFill>
                 <a:latin typeface="Calibri"/>
+                <a:ea typeface="DejaVu Sans"/>
               </a:rPr>
               <a:t>.</a:t>
             </a:r>
@@ -2602,14 +2210,14 @@
       </p:sp>
       <p:sp>
         <p:nvSpPr>
-          <p:cNvPr id="46" name="CustomShape 6"/>
+          <p:cNvPr id="42" name="CustomShape 6"/>
           <p:cNvSpPr/>
           <p:nvPr/>
         </p:nvSpPr>
         <p:spPr>
           <a:xfrm>
             <a:off x="3960000" y="2432160"/>
-            <a:ext cx="12585240" cy="1095840"/>
+            <a:ext cx="12584880" cy="1095480"/>
           </a:xfrm>
           <a:prstGeom prst="rect">
             <a:avLst/>
@@ -2641,6 +2249,7 @@
                   <a:srgbClr val="2f5597"/>
                 </a:solidFill>
                 <a:latin typeface="Calibri"/>
+                <a:ea typeface="DejaVu Sans"/>
               </a:rPr>
               <a:t>Krzysztof Zakrzewski &amp; Dawid Jamka</a:t>
             </a:r>
@@ -2652,14 +2261,14 @@
       </p:sp>
       <p:sp>
         <p:nvSpPr>
-          <p:cNvPr id="47" name="CustomShape 7"/>
+          <p:cNvPr id="43" name="CustomShape 7"/>
           <p:cNvSpPr/>
           <p:nvPr/>
         </p:nvSpPr>
         <p:spPr>
           <a:xfrm>
             <a:off x="17513640" y="5220000"/>
-            <a:ext cx="10422360" cy="4356720"/>
+            <a:ext cx="10422000" cy="4356360"/>
           </a:xfrm>
           <a:prstGeom prst="rect">
             <a:avLst/>
@@ -2691,6 +2300,7 @@
                   <a:srgbClr val="203864"/>
                 </a:solidFill>
                 <a:latin typeface="Calibri"/>
+                <a:ea typeface="DejaVu Sans"/>
               </a:rPr>
               <a:t>The initial high case-fatality rate for COVID-19 in Canada has </a:t>
             </a:r>
@@ -2700,6 +2310,7 @@
                   <a:srgbClr val="203864"/>
                 </a:solidFill>
                 <a:latin typeface="Calibri"/>
+                <a:ea typeface="DejaVu Sans"/>
               </a:rPr>
               <a:t>gradually reduced </a:t>
             </a:r>
@@ -2709,6 +2320,7 @@
                   <a:srgbClr val="203864"/>
                 </a:solidFill>
                 <a:latin typeface="Calibri"/>
+                <a:ea typeface="DejaVu Sans"/>
               </a:rPr>
               <a:t>starting from </a:t>
             </a:r>
@@ -2718,6 +2330,7 @@
                   <a:srgbClr val="203864"/>
                 </a:solidFill>
                 <a:latin typeface="Calibri"/>
+                <a:ea typeface="DejaVu Sans"/>
               </a:rPr>
               <a:t>2021</a:t>
             </a:r>
@@ -2727,6 +2340,7 @@
                   <a:srgbClr val="203864"/>
                 </a:solidFill>
                 <a:latin typeface="Calibri"/>
+                <a:ea typeface="DejaVu Sans"/>
               </a:rPr>
               <a:t> due to increasing vaccination coverage. Since </a:t>
             </a:r>
@@ -2736,6 +2350,7 @@
                   <a:srgbClr val="203864"/>
                 </a:solidFill>
                 <a:latin typeface="Calibri"/>
+                <a:ea typeface="DejaVu Sans"/>
               </a:rPr>
               <a:t>Summer 2022</a:t>
             </a:r>
@@ -2745,6 +2360,7 @@
                   <a:srgbClr val="203864"/>
                 </a:solidFill>
                 <a:latin typeface="Calibri"/>
+                <a:ea typeface="DejaVu Sans"/>
               </a:rPr>
               <a:t>, the </a:t>
             </a:r>
@@ -2754,6 +2370,7 @@
                   <a:srgbClr val="203864"/>
                 </a:solidFill>
                 <a:latin typeface="Calibri"/>
+                <a:ea typeface="DejaVu Sans"/>
               </a:rPr>
               <a:t>fatality rate has spiked again </a:t>
             </a:r>
@@ -2763,6 +2380,7 @@
                   <a:srgbClr val="203864"/>
                 </a:solidFill>
                 <a:latin typeface="Calibri"/>
+                <a:ea typeface="DejaVu Sans"/>
               </a:rPr>
               <a:t>to an alarming level. This phenomenon can be partially explained by the population </a:t>
             </a:r>
@@ -2772,6 +2390,7 @@
                   <a:srgbClr val="203864"/>
                 </a:solidFill>
                 <a:latin typeface="Calibri"/>
+                <a:ea typeface="DejaVu Sans"/>
               </a:rPr>
               <a:t>not</a:t>
             </a:r>
@@ -2781,6 +2400,7 @@
                   <a:srgbClr val="203864"/>
                 </a:solidFill>
                 <a:latin typeface="Calibri"/>
+                <a:ea typeface="DejaVu Sans"/>
               </a:rPr>
               <a:t> following vaccination </a:t>
             </a:r>
@@ -2790,6 +2410,7 @@
                   <a:srgbClr val="203864"/>
                 </a:solidFill>
                 <a:latin typeface="Calibri"/>
+                <a:ea typeface="DejaVu Sans"/>
               </a:rPr>
               <a:t>with booster shots</a:t>
             </a:r>
@@ -2799,6 +2420,7 @@
                   <a:srgbClr val="203864"/>
                 </a:solidFill>
                 <a:latin typeface="Calibri"/>
+                <a:ea typeface="DejaVu Sans"/>
               </a:rPr>
               <a:t>.</a:t>
             </a:r>
@@ -2810,7 +2432,7 @@
       </p:sp>
       <p:sp>
         <p:nvSpPr>
-          <p:cNvPr id="48" name="Line 8"/>
+          <p:cNvPr id="44" name="Line 8"/>
           <p:cNvSpPr/>
           <p:nvPr/>
         </p:nvSpPr>
@@ -2847,7 +2469,7 @@
       </p:sp>
       <p:sp>
         <p:nvSpPr>
-          <p:cNvPr id="49" name="Line 9"/>
+          <p:cNvPr id="45" name="Line 9"/>
           <p:cNvSpPr/>
           <p:nvPr/>
         </p:nvSpPr>
@@ -2884,7 +2506,7 @@
       </p:sp>
       <p:sp>
         <p:nvSpPr>
-          <p:cNvPr id="50" name="Line 10"/>
+          <p:cNvPr id="46" name="Line 10"/>
           <p:cNvSpPr/>
           <p:nvPr/>
         </p:nvSpPr>
@@ -2921,7 +2543,7 @@
       </p:sp>
       <p:pic>
         <p:nvPicPr>
-          <p:cNvPr id="51" name="Picture 52" descr=""/>
+          <p:cNvPr id="47" name="Picture 52" descr=""/>
           <p:cNvPicPr/>
           <p:nvPr/>
         </p:nvPicPr>
@@ -2932,7 +2554,7 @@
         <p:spPr>
           <a:xfrm>
             <a:off x="637560" y="30169080"/>
-            <a:ext cx="15307200" cy="7909920"/>
+            <a:ext cx="15306840" cy="7909560"/>
           </a:xfrm>
           <a:prstGeom prst="rect">
             <a:avLst/>
@@ -2944,7 +2566,7 @@
       </p:pic>
       <p:sp>
         <p:nvSpPr>
-          <p:cNvPr id="52" name="Line 11"/>
+          <p:cNvPr id="48" name="Line 11"/>
           <p:cNvSpPr/>
           <p:nvPr/>
         </p:nvSpPr>
@@ -2981,7 +2603,7 @@
       </p:sp>
       <p:sp>
         <p:nvSpPr>
-          <p:cNvPr id="53" name="Line 12"/>
+          <p:cNvPr id="49" name="Line 12"/>
           <p:cNvSpPr/>
           <p:nvPr/>
         </p:nvSpPr>
@@ -3018,7 +2640,7 @@
       </p:sp>
       <p:pic>
         <p:nvPicPr>
-          <p:cNvPr id="54" name="" descr=""/>
+          <p:cNvPr id="50" name="" descr=""/>
           <p:cNvPicPr/>
           <p:nvPr/>
         </p:nvPicPr>
@@ -3029,7 +2651,99 @@
         <p:spPr>
           <a:xfrm>
             <a:off x="18864000" y="602280"/>
-            <a:ext cx="6552000" cy="3285720"/>
+            <a:ext cx="6551640" cy="3285360"/>
+          </a:xfrm>
+          <a:prstGeom prst="rect">
+            <a:avLst/>
+          </a:prstGeom>
+          <a:ln>
+            <a:noFill/>
+          </a:ln>
+        </p:spPr>
+      </p:pic>
+      <p:pic>
+        <p:nvPicPr>
+          <p:cNvPr id="51" name="" descr=""/>
+          <p:cNvPicPr/>
+          <p:nvPr/>
+        </p:nvPicPr>
+        <p:blipFill>
+          <a:blip r:embed="rId3"/>
+          <a:stretch/>
+        </p:blipFill>
+        <p:spPr>
+          <a:xfrm>
+            <a:off x="16560000" y="28728000"/>
+            <a:ext cx="13575960" cy="6483600"/>
+          </a:xfrm>
+          <a:prstGeom prst="rect">
+            <a:avLst/>
+          </a:prstGeom>
+          <a:ln>
+            <a:noFill/>
+          </a:ln>
+        </p:spPr>
+      </p:pic>
+      <p:pic>
+        <p:nvPicPr>
+          <p:cNvPr id="52" name="" descr=""/>
+          <p:cNvPicPr/>
+          <p:nvPr/>
+        </p:nvPicPr>
+        <p:blipFill>
+          <a:blip r:embed="rId4"/>
+          <a:stretch/>
+        </p:blipFill>
+        <p:spPr>
+          <a:xfrm>
+            <a:off x="16598520" y="20980440"/>
+            <a:ext cx="12993120" cy="7315200"/>
+          </a:xfrm>
+          <a:prstGeom prst="rect">
+            <a:avLst/>
+          </a:prstGeom>
+          <a:ln>
+            <a:noFill/>
+          </a:ln>
+        </p:spPr>
+      </p:pic>
+      <p:pic>
+        <p:nvPicPr>
+          <p:cNvPr id="53" name="" descr=""/>
+          <p:cNvPicPr/>
+          <p:nvPr/>
+        </p:nvPicPr>
+        <p:blipFill>
+          <a:blip r:embed="rId5"/>
+          <a:stretch/>
+        </p:blipFill>
+        <p:spPr>
+          <a:xfrm>
+            <a:off x="1440000" y="4320000"/>
+            <a:ext cx="14687640" cy="6198480"/>
+          </a:xfrm>
+          <a:prstGeom prst="rect">
+            <a:avLst/>
+          </a:prstGeom>
+          <a:ln>
+            <a:noFill/>
+          </a:ln>
+        </p:spPr>
+      </p:pic>
+      <p:pic>
+        <p:nvPicPr>
+          <p:cNvPr id="54" name="" descr=""/>
+          <p:cNvPicPr/>
+          <p:nvPr/>
+        </p:nvPicPr>
+        <p:blipFill>
+          <a:blip r:embed="rId6"/>
+          <a:stretch/>
+        </p:blipFill>
+        <p:spPr>
+          <a:xfrm>
+            <a:off x="1080000" y="20826000"/>
+            <a:ext cx="13431240" cy="6094440"/>
           </a:xfrm>
           <a:prstGeom prst="rect">
             <a:avLst/>
@@ -3046,105 +2760,13 @@
           <p:nvPr/>
         </p:nvPicPr>
         <p:blipFill>
-          <a:blip r:embed="rId3"/>
-          <a:stretch/>
-        </p:blipFill>
-        <p:spPr>
-          <a:xfrm>
-            <a:off x="16560000" y="28728000"/>
-            <a:ext cx="13576320" cy="6483960"/>
-          </a:xfrm>
-          <a:prstGeom prst="rect">
-            <a:avLst/>
-          </a:prstGeom>
-          <a:ln>
-            <a:noFill/>
-          </a:ln>
-        </p:spPr>
-      </p:pic>
-      <p:pic>
-        <p:nvPicPr>
-          <p:cNvPr id="56" name="" descr=""/>
-          <p:cNvPicPr/>
-          <p:nvPr/>
-        </p:nvPicPr>
-        <p:blipFill>
-          <a:blip r:embed="rId4"/>
-          <a:stretch/>
-        </p:blipFill>
-        <p:spPr>
-          <a:xfrm>
-            <a:off x="16598520" y="20980440"/>
-            <a:ext cx="12993480" cy="7315560"/>
-          </a:xfrm>
-          <a:prstGeom prst="rect">
-            <a:avLst/>
-          </a:prstGeom>
-          <a:ln>
-            <a:noFill/>
-          </a:ln>
-        </p:spPr>
-      </p:pic>
-      <p:pic>
-        <p:nvPicPr>
-          <p:cNvPr id="57" name="" descr=""/>
-          <p:cNvPicPr/>
-          <p:nvPr/>
-        </p:nvPicPr>
-        <p:blipFill>
-          <a:blip r:embed="rId5"/>
-          <a:stretch/>
-        </p:blipFill>
-        <p:spPr>
-          <a:xfrm>
-            <a:off x="1440000" y="4320000"/>
-            <a:ext cx="14688000" cy="6198840"/>
-          </a:xfrm>
-          <a:prstGeom prst="rect">
-            <a:avLst/>
-          </a:prstGeom>
-          <a:ln>
-            <a:noFill/>
-          </a:ln>
-        </p:spPr>
-      </p:pic>
-      <p:pic>
-        <p:nvPicPr>
-          <p:cNvPr id="58" name="" descr=""/>
-          <p:cNvPicPr/>
-          <p:nvPr/>
-        </p:nvPicPr>
-        <p:blipFill>
-          <a:blip r:embed="rId6"/>
-          <a:stretch/>
-        </p:blipFill>
-        <p:spPr>
-          <a:xfrm>
-            <a:off x="896760" y="20825280"/>
-            <a:ext cx="13608000" cy="6174720"/>
-          </a:xfrm>
-          <a:prstGeom prst="rect">
-            <a:avLst/>
-          </a:prstGeom>
-          <a:ln>
-            <a:noFill/>
-          </a:ln>
-        </p:spPr>
-      </p:pic>
-      <p:pic>
-        <p:nvPicPr>
-          <p:cNvPr id="59" name="" descr=""/>
-          <p:cNvPicPr/>
-          <p:nvPr/>
-        </p:nvPicPr>
-        <p:blipFill>
           <a:blip r:embed="rId7"/>
           <a:stretch/>
         </p:blipFill>
         <p:spPr>
           <a:xfrm>
             <a:off x="13680000" y="11084040"/>
-            <a:ext cx="16056000" cy="9003960"/>
+            <a:ext cx="16055640" cy="9003600"/>
           </a:xfrm>
           <a:prstGeom prst="rect">
             <a:avLst/>
